--- a/misc/アイコン.pptx
+++ b/misc/アイコン.pptx
@@ -271,7 +271,7 @@
           <a:p>
             <a:fld id="{2D473769-0D22-A843-A3FF-178AA1716A4A}" type="datetimeFigureOut">
               <a:rPr kumimoji="1" lang="ja-JP" altLang="en-US" smtClean="0"/>
-              <a:t>2021/6/28</a:t>
+              <a:t>2021/7/10</a:t>
             </a:fld>
             <a:endParaRPr kumimoji="1" lang="ja-JP" altLang="en-US"/>
           </a:p>
@@ -501,7 +501,7 @@
           <a:p>
             <a:fld id="{2D473769-0D22-A843-A3FF-178AA1716A4A}" type="datetimeFigureOut">
               <a:rPr kumimoji="1" lang="ja-JP" altLang="en-US" smtClean="0"/>
-              <a:t>2021/6/28</a:t>
+              <a:t>2021/7/10</a:t>
             </a:fld>
             <a:endParaRPr kumimoji="1" lang="ja-JP" altLang="en-US"/>
           </a:p>
@@ -741,7 +741,7 @@
           <a:p>
             <a:fld id="{2D473769-0D22-A843-A3FF-178AA1716A4A}" type="datetimeFigureOut">
               <a:rPr kumimoji="1" lang="ja-JP" altLang="en-US" smtClean="0"/>
-              <a:t>2021/6/28</a:t>
+              <a:t>2021/7/10</a:t>
             </a:fld>
             <a:endParaRPr kumimoji="1" lang="ja-JP" altLang="en-US"/>
           </a:p>
@@ -971,7 +971,7 @@
           <a:p>
             <a:fld id="{2D473769-0D22-A843-A3FF-178AA1716A4A}" type="datetimeFigureOut">
               <a:rPr kumimoji="1" lang="ja-JP" altLang="en-US" smtClean="0"/>
-              <a:t>2021/6/28</a:t>
+              <a:t>2021/7/10</a:t>
             </a:fld>
             <a:endParaRPr kumimoji="1" lang="ja-JP" altLang="en-US"/>
           </a:p>
@@ -1246,7 +1246,7 @@
           <a:p>
             <a:fld id="{2D473769-0D22-A843-A3FF-178AA1716A4A}" type="datetimeFigureOut">
               <a:rPr kumimoji="1" lang="ja-JP" altLang="en-US" smtClean="0"/>
-              <a:t>2021/6/28</a:t>
+              <a:t>2021/7/10</a:t>
             </a:fld>
             <a:endParaRPr kumimoji="1" lang="ja-JP" altLang="en-US"/>
           </a:p>
@@ -1575,7 +1575,7 @@
           <a:p>
             <a:fld id="{2D473769-0D22-A843-A3FF-178AA1716A4A}" type="datetimeFigureOut">
               <a:rPr kumimoji="1" lang="ja-JP" altLang="en-US" smtClean="0"/>
-              <a:t>2021/6/28</a:t>
+              <a:t>2021/7/10</a:t>
             </a:fld>
             <a:endParaRPr kumimoji="1" lang="ja-JP" altLang="en-US"/>
           </a:p>
@@ -2051,7 +2051,7 @@
           <a:p>
             <a:fld id="{2D473769-0D22-A843-A3FF-178AA1716A4A}" type="datetimeFigureOut">
               <a:rPr kumimoji="1" lang="ja-JP" altLang="en-US" smtClean="0"/>
-              <a:t>2021/6/28</a:t>
+              <a:t>2021/7/10</a:t>
             </a:fld>
             <a:endParaRPr kumimoji="1" lang="ja-JP" altLang="en-US"/>
           </a:p>
@@ -2192,7 +2192,7 @@
           <a:p>
             <a:fld id="{2D473769-0D22-A843-A3FF-178AA1716A4A}" type="datetimeFigureOut">
               <a:rPr kumimoji="1" lang="ja-JP" altLang="en-US" smtClean="0"/>
-              <a:t>2021/6/28</a:t>
+              <a:t>2021/7/10</a:t>
             </a:fld>
             <a:endParaRPr kumimoji="1" lang="ja-JP" altLang="en-US"/>
           </a:p>
@@ -2305,7 +2305,7 @@
           <a:p>
             <a:fld id="{2D473769-0D22-A843-A3FF-178AA1716A4A}" type="datetimeFigureOut">
               <a:rPr kumimoji="1" lang="ja-JP" altLang="en-US" smtClean="0"/>
-              <a:t>2021/6/28</a:t>
+              <a:t>2021/7/10</a:t>
             </a:fld>
             <a:endParaRPr kumimoji="1" lang="ja-JP" altLang="en-US"/>
           </a:p>
@@ -2648,7 +2648,7 @@
           <a:p>
             <a:fld id="{2D473769-0D22-A843-A3FF-178AA1716A4A}" type="datetimeFigureOut">
               <a:rPr kumimoji="1" lang="ja-JP" altLang="en-US" smtClean="0"/>
-              <a:t>2021/6/28</a:t>
+              <a:t>2021/7/10</a:t>
             </a:fld>
             <a:endParaRPr kumimoji="1" lang="ja-JP" altLang="en-US"/>
           </a:p>
@@ -2936,7 +2936,7 @@
           <a:p>
             <a:fld id="{2D473769-0D22-A843-A3FF-178AA1716A4A}" type="datetimeFigureOut">
               <a:rPr kumimoji="1" lang="ja-JP" altLang="en-US" smtClean="0"/>
-              <a:t>2021/6/28</a:t>
+              <a:t>2021/7/10</a:t>
             </a:fld>
             <a:endParaRPr kumimoji="1" lang="ja-JP" altLang="en-US"/>
           </a:p>
@@ -3209,7 +3209,7 @@
           <a:p>
             <a:fld id="{2D473769-0D22-A843-A3FF-178AA1716A4A}" type="datetimeFigureOut">
               <a:rPr kumimoji="1" lang="ja-JP" altLang="en-US" smtClean="0"/>
-              <a:t>2021/6/28</a:t>
+              <a:t>2021/7/10</a:t>
             </a:fld>
             <a:endParaRPr kumimoji="1" lang="ja-JP" altLang="en-US"/>
           </a:p>
@@ -3992,6 +3992,36 @@
           </a:prstGeom>
         </p:spPr>
       </p:pic>
+      <p:pic>
+        <p:nvPicPr>
+          <p:cNvPr id="5" name="図 4" descr="アイコン&#10;&#10;自動的に生成された説明">
+            <a:extLst>
+              <a:ext uri="{FF2B5EF4-FFF2-40B4-BE49-F238E27FC236}">
+                <a16:creationId xmlns:a16="http://schemas.microsoft.com/office/drawing/2014/main" id="{64E470AD-25A5-CD4C-A12B-BA9BA185A579}"/>
+              </a:ext>
+            </a:extLst>
+          </p:cNvPr>
+          <p:cNvPicPr>
+            <a:picLocks noChangeAspect="1"/>
+          </p:cNvPicPr>
+          <p:nvPr/>
+        </p:nvPicPr>
+        <p:blipFill>
+          <a:blip r:embed="rId4"/>
+          <a:stretch>
+            <a:fillRect/>
+          </a:stretch>
+        </p:blipFill>
+        <p:spPr>
+          <a:xfrm>
+            <a:off x="1800171" y="2308356"/>
+            <a:ext cx="6501600" cy="6501600"/>
+          </a:xfrm>
+          <a:prstGeom prst="rect">
+            <a:avLst/>
+          </a:prstGeom>
+        </p:spPr>
+      </p:pic>
     </p:spTree>
     <p:extLst>
       <p:ext uri="{BB962C8B-B14F-4D97-AF65-F5344CB8AC3E}">
